--- a/figs/figs.pptx
+++ b/figs/figs.pptx
@@ -247,7 +247,7 @@
           <a:p>
             <a:fld id="{42754FB3-D249-E142-8C80-D5D145A0F40F}" type="datetimeFigureOut">
               <a:rPr lang="en-US" smtClean="0"/>
-              <a:t>6/17/17</a:t>
+              <a:t>7/11/17</a:t>
             </a:fld>
             <a:endParaRPr lang="en-US"/>
           </a:p>
@@ -417,7 +417,7 @@
           <a:p>
             <a:fld id="{42754FB3-D249-E142-8C80-D5D145A0F40F}" type="datetimeFigureOut">
               <a:rPr lang="en-US" smtClean="0"/>
-              <a:t>6/17/17</a:t>
+              <a:t>7/11/17</a:t>
             </a:fld>
             <a:endParaRPr lang="en-US"/>
           </a:p>
@@ -597,7 +597,7 @@
           <a:p>
             <a:fld id="{42754FB3-D249-E142-8C80-D5D145A0F40F}" type="datetimeFigureOut">
               <a:rPr lang="en-US" smtClean="0"/>
-              <a:t>6/17/17</a:t>
+              <a:t>7/11/17</a:t>
             </a:fld>
             <a:endParaRPr lang="en-US"/>
           </a:p>
@@ -767,7 +767,7 @@
           <a:p>
             <a:fld id="{42754FB3-D249-E142-8C80-D5D145A0F40F}" type="datetimeFigureOut">
               <a:rPr lang="en-US" smtClean="0"/>
-              <a:t>6/17/17</a:t>
+              <a:t>7/11/17</a:t>
             </a:fld>
             <a:endParaRPr lang="en-US"/>
           </a:p>
@@ -1013,7 +1013,7 @@
           <a:p>
             <a:fld id="{42754FB3-D249-E142-8C80-D5D145A0F40F}" type="datetimeFigureOut">
               <a:rPr lang="en-US" smtClean="0"/>
-              <a:t>6/17/17</a:t>
+              <a:t>7/11/17</a:t>
             </a:fld>
             <a:endParaRPr lang="en-US"/>
           </a:p>
@@ -1245,7 +1245,7 @@
           <a:p>
             <a:fld id="{42754FB3-D249-E142-8C80-D5D145A0F40F}" type="datetimeFigureOut">
               <a:rPr lang="en-US" smtClean="0"/>
-              <a:t>6/17/17</a:t>
+              <a:t>7/11/17</a:t>
             </a:fld>
             <a:endParaRPr lang="en-US"/>
           </a:p>
@@ -1612,7 +1612,7 @@
           <a:p>
             <a:fld id="{42754FB3-D249-E142-8C80-D5D145A0F40F}" type="datetimeFigureOut">
               <a:rPr lang="en-US" smtClean="0"/>
-              <a:t>6/17/17</a:t>
+              <a:t>7/11/17</a:t>
             </a:fld>
             <a:endParaRPr lang="en-US"/>
           </a:p>
@@ -1730,7 +1730,7 @@
           <a:p>
             <a:fld id="{42754FB3-D249-E142-8C80-D5D145A0F40F}" type="datetimeFigureOut">
               <a:rPr lang="en-US" smtClean="0"/>
-              <a:t>6/17/17</a:t>
+              <a:t>7/11/17</a:t>
             </a:fld>
             <a:endParaRPr lang="en-US"/>
           </a:p>
@@ -1825,7 +1825,7 @@
           <a:p>
             <a:fld id="{42754FB3-D249-E142-8C80-D5D145A0F40F}" type="datetimeFigureOut">
               <a:rPr lang="en-US" smtClean="0"/>
-              <a:t>6/17/17</a:t>
+              <a:t>7/11/17</a:t>
             </a:fld>
             <a:endParaRPr lang="en-US"/>
           </a:p>
@@ -2102,7 +2102,7 @@
           <a:p>
             <a:fld id="{42754FB3-D249-E142-8C80-D5D145A0F40F}" type="datetimeFigureOut">
               <a:rPr lang="en-US" smtClean="0"/>
-              <a:t>6/17/17</a:t>
+              <a:t>7/11/17</a:t>
             </a:fld>
             <a:endParaRPr lang="en-US"/>
           </a:p>
@@ -2355,7 +2355,7 @@
           <a:p>
             <a:fld id="{42754FB3-D249-E142-8C80-D5D145A0F40F}" type="datetimeFigureOut">
               <a:rPr lang="en-US" smtClean="0"/>
-              <a:t>6/17/17</a:t>
+              <a:t>7/11/17</a:t>
             </a:fld>
             <a:endParaRPr lang="en-US"/>
           </a:p>
@@ -2568,7 +2568,7 @@
           <a:p>
             <a:fld id="{42754FB3-D249-E142-8C80-D5D145A0F40F}" type="datetimeFigureOut">
               <a:rPr lang="en-US" smtClean="0"/>
-              <a:t>6/17/17</a:t>
+              <a:t>7/11/17</a:t>
             </a:fld>
             <a:endParaRPr lang="en-US"/>
           </a:p>
@@ -5026,7 +5026,7 @@
         </p:nvSpPr>
         <p:spPr bwMode="auto">
           <a:xfrm>
-            <a:off x="3308350" y="3632095"/>
+            <a:off x="3308350" y="3256559"/>
             <a:ext cx="1981200" cy="1049338"/>
           </a:xfrm>
           <a:prstGeom prst="ellipse">
@@ -5169,884 +5169,448 @@
           </a:p>
         </p:txBody>
       </p:sp>
-      <p:grpSp>
-        <p:nvGrpSpPr>
-          <p:cNvPr id="7" name="Group 7"/>
-          <p:cNvGrpSpPr>
-            <a:grpSpLocks/>
-          </p:cNvGrpSpPr>
-          <p:nvPr/>
-        </p:nvGrpSpPr>
-        <p:grpSpPr bwMode="auto">
-          <a:xfrm>
-            <a:off x="5327650" y="2117620"/>
-            <a:ext cx="2438400" cy="2030413"/>
-            <a:chOff x="3840" y="2081"/>
-            <a:chExt cx="1536" cy="1279"/>
-          </a:xfrm>
-        </p:grpSpPr>
-        <p:sp>
-          <p:nvSpPr>
-            <p:cNvPr id="8" name="Oval 8"/>
-            <p:cNvSpPr>
-              <a:spLocks noChangeArrowheads="1"/>
-            </p:cNvSpPr>
-            <p:nvPr/>
-          </p:nvSpPr>
-          <p:spPr bwMode="auto">
-            <a:xfrm>
-              <a:off x="4128" y="2081"/>
-              <a:ext cx="1248" cy="661"/>
-            </a:xfrm>
-            <a:prstGeom prst="ellipse">
-              <a:avLst/>
-            </a:prstGeom>
-            <a:solidFill>
-              <a:srgbClr val="FFFFCC"/>
-            </a:solidFill>
-            <a:ln w="9525">
-              <a:solidFill>
-                <a:schemeClr val="tx1"/>
-              </a:solidFill>
-              <a:round/>
-              <a:headEnd/>
-              <a:tailEnd/>
-            </a:ln>
-          </p:spPr>
-          <p:txBody>
-            <a:bodyPr wrap="none" anchor="ctr"/>
-            <a:lstStyle>
-              <a:lvl1pPr eaLnBrk="0" hangingPunct="0">
-                <a:defRPr sz="1400" b="1">
-                  <a:solidFill>
-                    <a:schemeClr val="tx1"/>
-                  </a:solidFill>
-                  <a:latin typeface="Arial" panose="020B0604020202020204" pitchFamily="34" charset="0"/>
-                  <a:cs typeface="Arial" panose="020B0604020202020204" pitchFamily="34" charset="0"/>
-                </a:defRPr>
-              </a:lvl1pPr>
-              <a:lvl2pPr marL="742950" indent="-285750" eaLnBrk="0" hangingPunct="0">
-                <a:defRPr sz="1400" b="1">
-                  <a:solidFill>
-                    <a:schemeClr val="tx1"/>
-                  </a:solidFill>
-                  <a:latin typeface="Arial" panose="020B0604020202020204" pitchFamily="34" charset="0"/>
-                  <a:cs typeface="Arial" panose="020B0604020202020204" pitchFamily="34" charset="0"/>
-                </a:defRPr>
-              </a:lvl2pPr>
-              <a:lvl3pPr marL="1143000" indent="-228600" eaLnBrk="0" hangingPunct="0">
-                <a:defRPr sz="1400" b="1">
-                  <a:solidFill>
-                    <a:schemeClr val="tx1"/>
-                  </a:solidFill>
-                  <a:latin typeface="Arial" panose="020B0604020202020204" pitchFamily="34" charset="0"/>
-                  <a:cs typeface="Arial" panose="020B0604020202020204" pitchFamily="34" charset="0"/>
-                </a:defRPr>
-              </a:lvl3pPr>
-              <a:lvl4pPr marL="1600200" indent="-228600" eaLnBrk="0" hangingPunct="0">
-                <a:defRPr sz="1400" b="1">
-                  <a:solidFill>
-                    <a:schemeClr val="tx1"/>
-                  </a:solidFill>
-                  <a:latin typeface="Arial" panose="020B0604020202020204" pitchFamily="34" charset="0"/>
-                  <a:cs typeface="Arial" panose="020B0604020202020204" pitchFamily="34" charset="0"/>
-                </a:defRPr>
-              </a:lvl4pPr>
-              <a:lvl5pPr marL="2057400" indent="-228600" eaLnBrk="0" hangingPunct="0">
-                <a:defRPr sz="1400" b="1">
-                  <a:solidFill>
-                    <a:schemeClr val="tx1"/>
-                  </a:solidFill>
-                  <a:latin typeface="Arial" panose="020B0604020202020204" pitchFamily="34" charset="0"/>
-                  <a:cs typeface="Arial" panose="020B0604020202020204" pitchFamily="34" charset="0"/>
-                </a:defRPr>
-              </a:lvl5pPr>
-              <a:lvl6pPr marL="2514600" indent="-228600" eaLnBrk="0" fontAlgn="base" hangingPunct="0">
-                <a:spcBef>
-                  <a:spcPct val="0"/>
-                </a:spcBef>
-                <a:spcAft>
-                  <a:spcPct val="0"/>
-                </a:spcAft>
-                <a:defRPr sz="1400" b="1">
-                  <a:solidFill>
-                    <a:schemeClr val="tx1"/>
-                  </a:solidFill>
-                  <a:latin typeface="Arial" panose="020B0604020202020204" pitchFamily="34" charset="0"/>
-                  <a:cs typeface="Arial" panose="020B0604020202020204" pitchFamily="34" charset="0"/>
-                </a:defRPr>
-              </a:lvl6pPr>
-              <a:lvl7pPr marL="2971800" indent="-228600" eaLnBrk="0" fontAlgn="base" hangingPunct="0">
-                <a:spcBef>
-                  <a:spcPct val="0"/>
-                </a:spcBef>
-                <a:spcAft>
-                  <a:spcPct val="0"/>
-                </a:spcAft>
-                <a:defRPr sz="1400" b="1">
-                  <a:solidFill>
-                    <a:schemeClr val="tx1"/>
-                  </a:solidFill>
-                  <a:latin typeface="Arial" panose="020B0604020202020204" pitchFamily="34" charset="0"/>
-                  <a:cs typeface="Arial" panose="020B0604020202020204" pitchFamily="34" charset="0"/>
-                </a:defRPr>
-              </a:lvl7pPr>
-              <a:lvl8pPr marL="3429000" indent="-228600" eaLnBrk="0" fontAlgn="base" hangingPunct="0">
-                <a:spcBef>
-                  <a:spcPct val="0"/>
-                </a:spcBef>
-                <a:spcAft>
-                  <a:spcPct val="0"/>
-                </a:spcAft>
-                <a:defRPr sz="1400" b="1">
-                  <a:solidFill>
-                    <a:schemeClr val="tx1"/>
-                  </a:solidFill>
-                  <a:latin typeface="Arial" panose="020B0604020202020204" pitchFamily="34" charset="0"/>
-                  <a:cs typeface="Arial" panose="020B0604020202020204" pitchFamily="34" charset="0"/>
-                </a:defRPr>
-              </a:lvl8pPr>
-              <a:lvl9pPr marL="3886200" indent="-228600" eaLnBrk="0" fontAlgn="base" hangingPunct="0">
-                <a:spcBef>
-                  <a:spcPct val="0"/>
-                </a:spcBef>
-                <a:spcAft>
-                  <a:spcPct val="0"/>
-                </a:spcAft>
-                <a:defRPr sz="1400" b="1">
-                  <a:solidFill>
-                    <a:schemeClr val="tx1"/>
-                  </a:solidFill>
-                  <a:latin typeface="Arial" panose="020B0604020202020204" pitchFamily="34" charset="0"/>
-                  <a:cs typeface="Arial" panose="020B0604020202020204" pitchFamily="34" charset="0"/>
-                </a:defRPr>
-              </a:lvl9pPr>
-            </a:lstStyle>
-            <a:p>
-              <a:pPr algn="ctr"/>
-              <a:r>
-                <a:rPr lang="en-US" altLang="de-DE" sz="2000"/>
-                <a:t>Experience</a:t>
-              </a:r>
-            </a:p>
-            <a:p>
-              <a:pPr algn="ctr"/>
-              <a:r>
-                <a:rPr lang="en-US" altLang="de-DE" sz="2000"/>
-                <a:t>Engineering</a:t>
-              </a:r>
-            </a:p>
-          </p:txBody>
-        </p:sp>
-        <p:sp>
-          <p:nvSpPr>
-            <p:cNvPr id="9" name="Freeform 9"/>
-            <p:cNvSpPr>
-              <a:spLocks/>
-            </p:cNvSpPr>
-            <p:nvPr/>
-          </p:nvSpPr>
-          <p:spPr bwMode="auto">
-            <a:xfrm>
-              <a:off x="3840" y="2736"/>
-              <a:ext cx="1008" cy="624"/>
-            </a:xfrm>
-            <a:custGeom>
-              <a:avLst/>
-              <a:gdLst>
-                <a:gd name="T0" fmla="*/ 1008 w 1008"/>
-                <a:gd name="T1" fmla="*/ 0 h 624"/>
-                <a:gd name="T2" fmla="*/ 624 w 1008"/>
-                <a:gd name="T3" fmla="*/ 384 h 624"/>
-                <a:gd name="T4" fmla="*/ 0 w 1008"/>
-                <a:gd name="T5" fmla="*/ 624 h 624"/>
-                <a:gd name="T6" fmla="*/ 0 60000 65536"/>
-                <a:gd name="T7" fmla="*/ 0 60000 65536"/>
-                <a:gd name="T8" fmla="*/ 0 60000 65536"/>
-                <a:gd name="T9" fmla="*/ 0 w 1008"/>
-                <a:gd name="T10" fmla="*/ 0 h 624"/>
-                <a:gd name="T11" fmla="*/ 1008 w 1008"/>
-                <a:gd name="T12" fmla="*/ 624 h 624"/>
-              </a:gdLst>
-              <a:ahLst/>
-              <a:cxnLst>
-                <a:cxn ang="T6">
-                  <a:pos x="T0" y="T1"/>
-                </a:cxn>
-                <a:cxn ang="T7">
-                  <a:pos x="T2" y="T3"/>
-                </a:cxn>
-                <a:cxn ang="T8">
-                  <a:pos x="T4" y="T5"/>
-                </a:cxn>
-              </a:cxnLst>
-              <a:rect l="T9" t="T10" r="T11" b="T12"/>
-              <a:pathLst>
-                <a:path w="1008" h="624">
-                  <a:moveTo>
-                    <a:pt x="1008" y="0"/>
-                  </a:moveTo>
-                  <a:cubicBezTo>
-                    <a:pt x="900" y="140"/>
-                    <a:pt x="792" y="280"/>
-                    <a:pt x="624" y="384"/>
-                  </a:cubicBezTo>
-                  <a:cubicBezTo>
-                    <a:pt x="456" y="488"/>
-                    <a:pt x="228" y="556"/>
-                    <a:pt x="0" y="624"/>
-                  </a:cubicBezTo>
-                </a:path>
-              </a:pathLst>
-            </a:custGeom>
-            <a:noFill/>
-            <a:ln w="38100">
-              <a:solidFill>
-                <a:schemeClr val="tx1"/>
-              </a:solidFill>
-              <a:round/>
-              <a:headEnd/>
-              <a:tailEnd type="triangle" w="med" len="med"/>
-            </a:ln>
-            <a:extLst>
-              <a:ext uri="{909E8E84-426E-40DD-AFC4-6F175D3DCCD1}">
-                <a14:hiddenFill xmlns:a14="http://schemas.microsoft.com/office/drawing/2010/main">
-                  <a:solidFill>
-                    <a:srgbClr val="FFFFFF"/>
-                  </a:solidFill>
-                </a14:hiddenFill>
-              </a:ext>
-            </a:extLst>
-          </p:spPr>
-          <p:txBody>
-            <a:bodyPr wrap="none" anchor="ctr"/>
-            <a:lstStyle/>
-            <a:p>
-              <a:endParaRPr lang="de-DE"/>
-            </a:p>
-          </p:txBody>
-        </p:sp>
-      </p:grpSp>
-      <p:grpSp>
-        <p:nvGrpSpPr>
-          <p:cNvPr id="14" name="Group 38"/>
-          <p:cNvGrpSpPr>
-            <a:grpSpLocks/>
-          </p:cNvGrpSpPr>
-          <p:nvPr/>
-        </p:nvGrpSpPr>
-        <p:grpSpPr bwMode="auto">
-          <a:xfrm>
-            <a:off x="831850" y="1176234"/>
-            <a:ext cx="2514600" cy="1990725"/>
-            <a:chOff x="1008" y="1488"/>
-            <a:chExt cx="1584" cy="1254"/>
-          </a:xfrm>
-        </p:grpSpPr>
-        <p:sp>
-          <p:nvSpPr>
-            <p:cNvPr id="15" name="Oval 39"/>
-            <p:cNvSpPr>
-              <a:spLocks noChangeArrowheads="1"/>
-            </p:cNvSpPr>
-            <p:nvPr/>
-          </p:nvSpPr>
-          <p:spPr bwMode="auto">
-            <a:xfrm>
-              <a:off x="1008" y="2081"/>
-              <a:ext cx="1248" cy="661"/>
-            </a:xfrm>
-            <a:prstGeom prst="ellipse">
-              <a:avLst/>
-            </a:prstGeom>
-            <a:solidFill>
-              <a:srgbClr val="FFFFCC"/>
-            </a:solidFill>
-            <a:ln w="9525">
-              <a:solidFill>
-                <a:schemeClr val="tx1"/>
-              </a:solidFill>
-              <a:round/>
-              <a:headEnd/>
-              <a:tailEnd/>
-            </a:ln>
-          </p:spPr>
-          <p:txBody>
-            <a:bodyPr wrap="none" anchor="ctr"/>
-            <a:lstStyle>
-              <a:lvl1pPr eaLnBrk="0" hangingPunct="0">
-                <a:defRPr sz="1400" b="1">
-                  <a:solidFill>
-                    <a:schemeClr val="tx1"/>
-                  </a:solidFill>
-                  <a:latin typeface="Arial" panose="020B0604020202020204" pitchFamily="34" charset="0"/>
-                  <a:cs typeface="Arial" panose="020B0604020202020204" pitchFamily="34" charset="0"/>
-                </a:defRPr>
-              </a:lvl1pPr>
-              <a:lvl2pPr marL="742950" indent="-285750" eaLnBrk="0" hangingPunct="0">
-                <a:defRPr sz="1400" b="1">
-                  <a:solidFill>
-                    <a:schemeClr val="tx1"/>
-                  </a:solidFill>
-                  <a:latin typeface="Arial" panose="020B0604020202020204" pitchFamily="34" charset="0"/>
-                  <a:cs typeface="Arial" panose="020B0604020202020204" pitchFamily="34" charset="0"/>
-                </a:defRPr>
-              </a:lvl2pPr>
-              <a:lvl3pPr marL="1143000" indent="-228600" eaLnBrk="0" hangingPunct="0">
-                <a:defRPr sz="1400" b="1">
-                  <a:solidFill>
-                    <a:schemeClr val="tx1"/>
-                  </a:solidFill>
-                  <a:latin typeface="Arial" panose="020B0604020202020204" pitchFamily="34" charset="0"/>
-                  <a:cs typeface="Arial" panose="020B0604020202020204" pitchFamily="34" charset="0"/>
-                </a:defRPr>
-              </a:lvl3pPr>
-              <a:lvl4pPr marL="1600200" indent="-228600" eaLnBrk="0" hangingPunct="0">
-                <a:defRPr sz="1400" b="1">
-                  <a:solidFill>
-                    <a:schemeClr val="tx1"/>
-                  </a:solidFill>
-                  <a:latin typeface="Arial" panose="020B0604020202020204" pitchFamily="34" charset="0"/>
-                  <a:cs typeface="Arial" panose="020B0604020202020204" pitchFamily="34" charset="0"/>
-                </a:defRPr>
-              </a:lvl4pPr>
-              <a:lvl5pPr marL="2057400" indent="-228600" eaLnBrk="0" hangingPunct="0">
-                <a:defRPr sz="1400" b="1">
-                  <a:solidFill>
-                    <a:schemeClr val="tx1"/>
-                  </a:solidFill>
-                  <a:latin typeface="Arial" panose="020B0604020202020204" pitchFamily="34" charset="0"/>
-                  <a:cs typeface="Arial" panose="020B0604020202020204" pitchFamily="34" charset="0"/>
-                </a:defRPr>
-              </a:lvl5pPr>
-              <a:lvl6pPr marL="2514600" indent="-228600" eaLnBrk="0" fontAlgn="base" hangingPunct="0">
-                <a:spcBef>
-                  <a:spcPct val="0"/>
-                </a:spcBef>
-                <a:spcAft>
-                  <a:spcPct val="0"/>
-                </a:spcAft>
-                <a:defRPr sz="1400" b="1">
-                  <a:solidFill>
-                    <a:schemeClr val="tx1"/>
-                  </a:solidFill>
-                  <a:latin typeface="Arial" panose="020B0604020202020204" pitchFamily="34" charset="0"/>
-                  <a:cs typeface="Arial" panose="020B0604020202020204" pitchFamily="34" charset="0"/>
-                </a:defRPr>
-              </a:lvl6pPr>
-              <a:lvl7pPr marL="2971800" indent="-228600" eaLnBrk="0" fontAlgn="base" hangingPunct="0">
-                <a:spcBef>
-                  <a:spcPct val="0"/>
-                </a:spcBef>
-                <a:spcAft>
-                  <a:spcPct val="0"/>
-                </a:spcAft>
-                <a:defRPr sz="1400" b="1">
-                  <a:solidFill>
-                    <a:schemeClr val="tx1"/>
-                  </a:solidFill>
-                  <a:latin typeface="Arial" panose="020B0604020202020204" pitchFamily="34" charset="0"/>
-                  <a:cs typeface="Arial" panose="020B0604020202020204" pitchFamily="34" charset="0"/>
-                </a:defRPr>
-              </a:lvl7pPr>
-              <a:lvl8pPr marL="3429000" indent="-228600" eaLnBrk="0" fontAlgn="base" hangingPunct="0">
-                <a:spcBef>
-                  <a:spcPct val="0"/>
-                </a:spcBef>
-                <a:spcAft>
-                  <a:spcPct val="0"/>
-                </a:spcAft>
-                <a:defRPr sz="1400" b="1">
-                  <a:solidFill>
-                    <a:schemeClr val="tx1"/>
-                  </a:solidFill>
-                  <a:latin typeface="Arial" panose="020B0604020202020204" pitchFamily="34" charset="0"/>
-                  <a:cs typeface="Arial" panose="020B0604020202020204" pitchFamily="34" charset="0"/>
-                </a:defRPr>
-              </a:lvl8pPr>
-              <a:lvl9pPr marL="3886200" indent="-228600" eaLnBrk="0" fontAlgn="base" hangingPunct="0">
-                <a:spcBef>
-                  <a:spcPct val="0"/>
-                </a:spcBef>
-                <a:spcAft>
-                  <a:spcPct val="0"/>
-                </a:spcAft>
-                <a:defRPr sz="1400" b="1">
-                  <a:solidFill>
-                    <a:schemeClr val="tx1"/>
-                  </a:solidFill>
-                  <a:latin typeface="Arial" panose="020B0604020202020204" pitchFamily="34" charset="0"/>
-                  <a:cs typeface="Arial" panose="020B0604020202020204" pitchFamily="34" charset="0"/>
-                </a:defRPr>
-              </a:lvl9pPr>
-            </a:lstStyle>
-            <a:p>
-              <a:pPr algn="ctr"/>
-              <a:r>
-                <a:rPr lang="en-US" altLang="de-DE" sz="2000"/>
-                <a:t>Activate</a:t>
-              </a:r>
-            </a:p>
-          </p:txBody>
-        </p:sp>
-        <p:sp>
-          <p:nvSpPr>
-            <p:cNvPr id="16" name="Freeform 40"/>
-            <p:cNvSpPr>
-              <a:spLocks/>
-            </p:cNvSpPr>
-            <p:nvPr/>
-          </p:nvSpPr>
-          <p:spPr bwMode="auto">
-            <a:xfrm>
-              <a:off x="1584" y="1488"/>
-              <a:ext cx="1008" cy="576"/>
-            </a:xfrm>
-            <a:custGeom>
-              <a:avLst/>
-              <a:gdLst>
-                <a:gd name="T0" fmla="*/ 0 w 1008"/>
-                <a:gd name="T1" fmla="*/ 576 h 576"/>
-                <a:gd name="T2" fmla="*/ 144 w 1008"/>
-                <a:gd name="T3" fmla="*/ 384 h 576"/>
-                <a:gd name="T4" fmla="*/ 576 w 1008"/>
-                <a:gd name="T5" fmla="*/ 144 h 576"/>
-                <a:gd name="T6" fmla="*/ 1008 w 1008"/>
-                <a:gd name="T7" fmla="*/ 0 h 576"/>
-                <a:gd name="T8" fmla="*/ 0 60000 65536"/>
-                <a:gd name="T9" fmla="*/ 0 60000 65536"/>
-                <a:gd name="T10" fmla="*/ 0 60000 65536"/>
-                <a:gd name="T11" fmla="*/ 0 60000 65536"/>
-                <a:gd name="T12" fmla="*/ 0 w 1008"/>
-                <a:gd name="T13" fmla="*/ 0 h 576"/>
-                <a:gd name="T14" fmla="*/ 1008 w 1008"/>
-                <a:gd name="T15" fmla="*/ 576 h 576"/>
-              </a:gdLst>
-              <a:ahLst/>
-              <a:cxnLst>
-                <a:cxn ang="T8">
-                  <a:pos x="T0" y="T1"/>
-                </a:cxn>
-                <a:cxn ang="T9">
-                  <a:pos x="T2" y="T3"/>
-                </a:cxn>
-                <a:cxn ang="T10">
-                  <a:pos x="T4" y="T5"/>
-                </a:cxn>
-                <a:cxn ang="T11">
-                  <a:pos x="T6" y="T7"/>
-                </a:cxn>
-              </a:cxnLst>
-              <a:rect l="T12" t="T13" r="T14" b="T15"/>
-              <a:pathLst>
-                <a:path w="1008" h="576">
-                  <a:moveTo>
-                    <a:pt x="0" y="576"/>
-                  </a:moveTo>
-                  <a:cubicBezTo>
-                    <a:pt x="24" y="516"/>
-                    <a:pt x="48" y="456"/>
-                    <a:pt x="144" y="384"/>
-                  </a:cubicBezTo>
-                  <a:cubicBezTo>
-                    <a:pt x="240" y="312"/>
-                    <a:pt x="432" y="208"/>
-                    <a:pt x="576" y="144"/>
-                  </a:cubicBezTo>
-                  <a:cubicBezTo>
-                    <a:pt x="720" y="80"/>
-                    <a:pt x="864" y="40"/>
-                    <a:pt x="1008" y="0"/>
-                  </a:cubicBezTo>
-                </a:path>
-              </a:pathLst>
-            </a:custGeom>
-            <a:noFill/>
-            <a:ln w="38100">
-              <a:solidFill>
-                <a:schemeClr val="tx1"/>
-              </a:solidFill>
-              <a:round/>
-              <a:headEnd/>
-              <a:tailEnd type="triangle" w="med" len="med"/>
-            </a:ln>
-            <a:extLst>
-              <a:ext uri="{909E8E84-426E-40DD-AFC4-6F175D3DCCD1}">
-                <a14:hiddenFill xmlns:a14="http://schemas.microsoft.com/office/drawing/2010/main">
-                  <a:solidFill>
-                    <a:srgbClr val="FFFFFF"/>
-                  </a:solidFill>
-                </a14:hiddenFill>
-              </a:ext>
-            </a:extLst>
-          </p:spPr>
-          <p:txBody>
-            <a:bodyPr wrap="none" anchor="ctr"/>
-            <a:lstStyle/>
-            <a:p>
-              <a:endParaRPr lang="de-DE"/>
-            </a:p>
-          </p:txBody>
-        </p:sp>
-      </p:grpSp>
-      <p:grpSp>
-        <p:nvGrpSpPr>
-          <p:cNvPr id="45" name="Group 48"/>
-          <p:cNvGrpSpPr>
-            <a:grpSpLocks/>
-          </p:cNvGrpSpPr>
-          <p:nvPr/>
-        </p:nvGrpSpPr>
-        <p:grpSpPr bwMode="auto">
-          <a:xfrm>
-            <a:off x="3346450" y="719033"/>
-            <a:ext cx="3467100" cy="1371600"/>
-            <a:chOff x="2568" y="1200"/>
-            <a:chExt cx="2184" cy="864"/>
-          </a:xfrm>
-        </p:grpSpPr>
-        <p:sp>
-          <p:nvSpPr>
-            <p:cNvPr id="46" name="Oval 49"/>
-            <p:cNvSpPr>
-              <a:spLocks noChangeArrowheads="1"/>
-            </p:cNvSpPr>
-            <p:nvPr/>
-          </p:nvSpPr>
-          <p:spPr bwMode="auto">
-            <a:xfrm>
-              <a:off x="2568" y="1200"/>
-              <a:ext cx="1248" cy="661"/>
-            </a:xfrm>
-            <a:prstGeom prst="ellipse">
-              <a:avLst/>
-            </a:prstGeom>
-            <a:solidFill>
-              <a:srgbClr val="FFFFCC"/>
-            </a:solidFill>
-            <a:ln w="9525">
-              <a:solidFill>
-                <a:schemeClr val="tx1"/>
-              </a:solidFill>
-              <a:round/>
-              <a:headEnd/>
-              <a:tailEnd/>
-            </a:ln>
-          </p:spPr>
-          <p:txBody>
-            <a:bodyPr wrap="none" anchor="ctr"/>
-            <a:lstStyle>
-              <a:lvl1pPr eaLnBrk="0" hangingPunct="0">
-                <a:defRPr sz="1400" b="1">
-                  <a:solidFill>
-                    <a:schemeClr val="tx1"/>
-                  </a:solidFill>
-                  <a:latin typeface="Arial" panose="020B0604020202020204" pitchFamily="34" charset="0"/>
-                  <a:cs typeface="Arial" panose="020B0604020202020204" pitchFamily="34" charset="0"/>
-                </a:defRPr>
-              </a:lvl1pPr>
-              <a:lvl2pPr marL="742950" indent="-285750" eaLnBrk="0" hangingPunct="0">
-                <a:defRPr sz="1400" b="1">
-                  <a:solidFill>
-                    <a:schemeClr val="tx1"/>
-                  </a:solidFill>
-                  <a:latin typeface="Arial" panose="020B0604020202020204" pitchFamily="34" charset="0"/>
-                  <a:cs typeface="Arial" panose="020B0604020202020204" pitchFamily="34" charset="0"/>
-                </a:defRPr>
-              </a:lvl2pPr>
-              <a:lvl3pPr marL="1143000" indent="-228600" eaLnBrk="0" hangingPunct="0">
-                <a:defRPr sz="1400" b="1">
-                  <a:solidFill>
-                    <a:schemeClr val="tx1"/>
-                  </a:solidFill>
-                  <a:latin typeface="Arial" panose="020B0604020202020204" pitchFamily="34" charset="0"/>
-                  <a:cs typeface="Arial" panose="020B0604020202020204" pitchFamily="34" charset="0"/>
-                </a:defRPr>
-              </a:lvl3pPr>
-              <a:lvl4pPr marL="1600200" indent="-228600" eaLnBrk="0" hangingPunct="0">
-                <a:defRPr sz="1400" b="1">
-                  <a:solidFill>
-                    <a:schemeClr val="tx1"/>
-                  </a:solidFill>
-                  <a:latin typeface="Arial" panose="020B0604020202020204" pitchFamily="34" charset="0"/>
-                  <a:cs typeface="Arial" panose="020B0604020202020204" pitchFamily="34" charset="0"/>
-                </a:defRPr>
-              </a:lvl4pPr>
-              <a:lvl5pPr marL="2057400" indent="-228600" eaLnBrk="0" hangingPunct="0">
-                <a:defRPr sz="1400" b="1">
-                  <a:solidFill>
-                    <a:schemeClr val="tx1"/>
-                  </a:solidFill>
-                  <a:latin typeface="Arial" panose="020B0604020202020204" pitchFamily="34" charset="0"/>
-                  <a:cs typeface="Arial" panose="020B0604020202020204" pitchFamily="34" charset="0"/>
-                </a:defRPr>
-              </a:lvl5pPr>
-              <a:lvl6pPr marL="2514600" indent="-228600" eaLnBrk="0" fontAlgn="base" hangingPunct="0">
-                <a:spcBef>
-                  <a:spcPct val="0"/>
-                </a:spcBef>
-                <a:spcAft>
-                  <a:spcPct val="0"/>
-                </a:spcAft>
-                <a:defRPr sz="1400" b="1">
-                  <a:solidFill>
-                    <a:schemeClr val="tx1"/>
-                  </a:solidFill>
-                  <a:latin typeface="Arial" panose="020B0604020202020204" pitchFamily="34" charset="0"/>
-                  <a:cs typeface="Arial" panose="020B0604020202020204" pitchFamily="34" charset="0"/>
-                </a:defRPr>
-              </a:lvl6pPr>
-              <a:lvl7pPr marL="2971800" indent="-228600" eaLnBrk="0" fontAlgn="base" hangingPunct="0">
-                <a:spcBef>
-                  <a:spcPct val="0"/>
-                </a:spcBef>
-                <a:spcAft>
-                  <a:spcPct val="0"/>
-                </a:spcAft>
-                <a:defRPr sz="1400" b="1">
-                  <a:solidFill>
-                    <a:schemeClr val="tx1"/>
-                  </a:solidFill>
-                  <a:latin typeface="Arial" panose="020B0604020202020204" pitchFamily="34" charset="0"/>
-                  <a:cs typeface="Arial" panose="020B0604020202020204" pitchFamily="34" charset="0"/>
-                </a:defRPr>
-              </a:lvl7pPr>
-              <a:lvl8pPr marL="3429000" indent="-228600" eaLnBrk="0" fontAlgn="base" hangingPunct="0">
-                <a:spcBef>
-                  <a:spcPct val="0"/>
-                </a:spcBef>
-                <a:spcAft>
-                  <a:spcPct val="0"/>
-                </a:spcAft>
-                <a:defRPr sz="1400" b="1">
-                  <a:solidFill>
-                    <a:schemeClr val="tx1"/>
-                  </a:solidFill>
-                  <a:latin typeface="Arial" panose="020B0604020202020204" pitchFamily="34" charset="0"/>
-                  <a:cs typeface="Arial" panose="020B0604020202020204" pitchFamily="34" charset="0"/>
-                </a:defRPr>
-              </a:lvl8pPr>
-              <a:lvl9pPr marL="3886200" indent="-228600" eaLnBrk="0" fontAlgn="base" hangingPunct="0">
-                <a:spcBef>
-                  <a:spcPct val="0"/>
-                </a:spcBef>
-                <a:spcAft>
-                  <a:spcPct val="0"/>
-                </a:spcAft>
-                <a:defRPr sz="1400" b="1">
-                  <a:solidFill>
-                    <a:schemeClr val="tx1"/>
-                  </a:solidFill>
-                  <a:latin typeface="Arial" panose="020B0604020202020204" pitchFamily="34" charset="0"/>
-                  <a:cs typeface="Arial" panose="020B0604020202020204" pitchFamily="34" charset="0"/>
-                </a:defRPr>
-              </a:lvl9pPr>
-            </a:lstStyle>
-            <a:p>
-              <a:pPr algn="ctr"/>
-              <a:r>
-                <a:rPr lang="en-US" altLang="de-DE" sz="2000"/>
-                <a:t>Collect</a:t>
-              </a:r>
-            </a:p>
-          </p:txBody>
-        </p:sp>
-        <p:sp>
-          <p:nvSpPr>
-            <p:cNvPr id="47" name="Freeform 50"/>
-            <p:cNvSpPr>
-              <a:spLocks/>
-            </p:cNvSpPr>
-            <p:nvPr/>
-          </p:nvSpPr>
-          <p:spPr bwMode="auto">
-            <a:xfrm>
-              <a:off x="3840" y="1536"/>
-              <a:ext cx="912" cy="528"/>
-            </a:xfrm>
-            <a:custGeom>
-              <a:avLst/>
-              <a:gdLst>
-                <a:gd name="T0" fmla="*/ 0 w 912"/>
-                <a:gd name="T1" fmla="*/ 0 h 528"/>
-                <a:gd name="T2" fmla="*/ 384 w 912"/>
-                <a:gd name="T3" fmla="*/ 144 h 528"/>
-                <a:gd name="T4" fmla="*/ 768 w 912"/>
-                <a:gd name="T5" fmla="*/ 384 h 528"/>
-                <a:gd name="T6" fmla="*/ 912 w 912"/>
-                <a:gd name="T7" fmla="*/ 528 h 528"/>
-                <a:gd name="T8" fmla="*/ 0 60000 65536"/>
-                <a:gd name="T9" fmla="*/ 0 60000 65536"/>
-                <a:gd name="T10" fmla="*/ 0 60000 65536"/>
-                <a:gd name="T11" fmla="*/ 0 60000 65536"/>
-                <a:gd name="T12" fmla="*/ 0 w 912"/>
-                <a:gd name="T13" fmla="*/ 0 h 528"/>
-                <a:gd name="T14" fmla="*/ 912 w 912"/>
-                <a:gd name="T15" fmla="*/ 528 h 528"/>
-              </a:gdLst>
-              <a:ahLst/>
-              <a:cxnLst>
-                <a:cxn ang="T8">
-                  <a:pos x="T0" y="T1"/>
-                </a:cxn>
-                <a:cxn ang="T9">
-                  <a:pos x="T2" y="T3"/>
-                </a:cxn>
-                <a:cxn ang="T10">
-                  <a:pos x="T4" y="T5"/>
-                </a:cxn>
-                <a:cxn ang="T11">
-                  <a:pos x="T6" y="T7"/>
-                </a:cxn>
-              </a:cxnLst>
-              <a:rect l="T12" t="T13" r="T14" b="T15"/>
-              <a:pathLst>
-                <a:path w="912" h="528">
-                  <a:moveTo>
-                    <a:pt x="0" y="0"/>
-                  </a:moveTo>
-                  <a:cubicBezTo>
-                    <a:pt x="128" y="40"/>
-                    <a:pt x="256" y="80"/>
-                    <a:pt x="384" y="144"/>
-                  </a:cubicBezTo>
-                  <a:cubicBezTo>
-                    <a:pt x="512" y="208"/>
-                    <a:pt x="680" y="320"/>
-                    <a:pt x="768" y="384"/>
-                  </a:cubicBezTo>
-                  <a:cubicBezTo>
-                    <a:pt x="856" y="448"/>
-                    <a:pt x="884" y="488"/>
-                    <a:pt x="912" y="528"/>
-                  </a:cubicBezTo>
-                </a:path>
-              </a:pathLst>
-            </a:custGeom>
-            <a:noFill/>
-            <a:ln w="38100">
-              <a:solidFill>
-                <a:schemeClr val="tx1"/>
-              </a:solidFill>
-              <a:round/>
-              <a:headEnd/>
-              <a:tailEnd type="triangle" w="med" len="med"/>
-            </a:ln>
-            <a:extLst>
-              <a:ext uri="{909E8E84-426E-40DD-AFC4-6F175D3DCCD1}">
-                <a14:hiddenFill xmlns:a14="http://schemas.microsoft.com/office/drawing/2010/main">
-                  <a:solidFill>
-                    <a:srgbClr val="FFFFFF"/>
-                  </a:solidFill>
-                </a14:hiddenFill>
-              </a:ext>
-            </a:extLst>
-          </p:spPr>
-          <p:txBody>
-            <a:bodyPr wrap="none" anchor="ctr"/>
-            <a:lstStyle/>
-            <a:p>
-              <a:endParaRPr lang="de-DE"/>
-            </a:p>
-          </p:txBody>
-        </p:sp>
-      </p:grpSp>
-      <p:sp>
-        <p:nvSpPr>
-          <p:cNvPr id="56" name="Freeform 57"/>
+      <p:sp>
+        <p:nvSpPr>
+          <p:cNvPr id="8" name="Oval 8"/>
           <p:cNvSpPr>
-            <a:spLocks/>
+            <a:spLocks noChangeArrowheads="1"/>
           </p:cNvSpPr>
           <p:nvPr/>
         </p:nvSpPr>
         <p:spPr bwMode="auto">
           <a:xfrm>
-            <a:off x="1670050" y="3157433"/>
-            <a:ext cx="1600200" cy="990600"/>
-          </a:xfrm>
-          <a:custGeom>
+            <a:off x="5784850" y="2117620"/>
+            <a:ext cx="1981200" cy="1049338"/>
+          </a:xfrm>
+          <a:prstGeom prst="ellipse">
             <a:avLst/>
-            <a:gdLst>
-              <a:gd name="T0" fmla="*/ 1008 w 1008"/>
-              <a:gd name="T1" fmla="*/ 624 h 624"/>
-              <a:gd name="T2" fmla="*/ 576 w 1008"/>
-              <a:gd name="T3" fmla="*/ 480 h 624"/>
-              <a:gd name="T4" fmla="*/ 144 w 1008"/>
-              <a:gd name="T5" fmla="*/ 240 h 624"/>
-              <a:gd name="T6" fmla="*/ 0 w 1008"/>
-              <a:gd name="T7" fmla="*/ 0 h 624"/>
-              <a:gd name="T8" fmla="*/ 0 60000 65536"/>
-              <a:gd name="T9" fmla="*/ 0 60000 65536"/>
-              <a:gd name="T10" fmla="*/ 0 60000 65536"/>
-              <a:gd name="T11" fmla="*/ 0 60000 65536"/>
-              <a:gd name="T12" fmla="*/ 0 w 1008"/>
-              <a:gd name="T13" fmla="*/ 0 h 624"/>
-              <a:gd name="T14" fmla="*/ 1008 w 1008"/>
-              <a:gd name="T15" fmla="*/ 624 h 624"/>
-            </a:gdLst>
-            <a:ahLst/>
-            <a:cxnLst>
-              <a:cxn ang="T8">
-                <a:pos x="T0" y="T1"/>
-              </a:cxn>
-              <a:cxn ang="T9">
-                <a:pos x="T2" y="T3"/>
-              </a:cxn>
-              <a:cxn ang="T10">
-                <a:pos x="T4" y="T5"/>
-              </a:cxn>
-              <a:cxn ang="T11">
-                <a:pos x="T6" y="T7"/>
-              </a:cxn>
-            </a:cxnLst>
-            <a:rect l="T12" t="T13" r="T14" b="T15"/>
-            <a:pathLst>
-              <a:path w="1008" h="624">
-                <a:moveTo>
-                  <a:pt x="1008" y="624"/>
-                </a:moveTo>
-                <a:cubicBezTo>
-                  <a:pt x="864" y="584"/>
-                  <a:pt x="720" y="544"/>
-                  <a:pt x="576" y="480"/>
-                </a:cubicBezTo>
-                <a:cubicBezTo>
-                  <a:pt x="432" y="416"/>
-                  <a:pt x="240" y="320"/>
-                  <a:pt x="144" y="240"/>
-                </a:cubicBezTo>
-                <a:cubicBezTo>
-                  <a:pt x="48" y="160"/>
-                  <a:pt x="24" y="80"/>
-                  <a:pt x="0" y="0"/>
-                </a:cubicBezTo>
-              </a:path>
-            </a:pathLst>
-          </a:custGeom>
-          <a:noFill/>
-          <a:ln w="38100">
+          </a:prstGeom>
+          <a:solidFill>
+            <a:srgbClr val="FFFFCC"/>
+          </a:solidFill>
+          <a:ln w="9525">
             <a:solidFill>
               <a:schemeClr val="tx1"/>
             </a:solidFill>
             <a:round/>
             <a:headEnd/>
-            <a:tailEnd type="triangle" w="med" len="med"/>
+            <a:tailEnd/>
           </a:ln>
-          <a:extLst>
-            <a:ext uri="{909E8E84-426E-40DD-AFC4-6F175D3DCCD1}">
-              <a14:hiddenFill xmlns:a14="http://schemas.microsoft.com/office/drawing/2010/main">
-                <a:solidFill>
-                  <a:srgbClr val="FFFFFF"/>
-                </a:solidFill>
-              </a14:hiddenFill>
-            </a:ext>
-          </a:extLst>
         </p:spPr>
         <p:txBody>
           <a:bodyPr wrap="none" anchor="ctr"/>
-          <a:lstStyle/>
-          <a:p>
-            <a:endParaRPr lang="de-DE"/>
+          <a:lstStyle>
+            <a:lvl1pPr eaLnBrk="0" hangingPunct="0">
+              <a:defRPr sz="1400" b="1">
+                <a:solidFill>
+                  <a:schemeClr val="tx1"/>
+                </a:solidFill>
+                <a:latin typeface="Arial" panose="020B0604020202020204" pitchFamily="34" charset="0"/>
+                <a:cs typeface="Arial" panose="020B0604020202020204" pitchFamily="34" charset="0"/>
+              </a:defRPr>
+            </a:lvl1pPr>
+            <a:lvl2pPr marL="742950" indent="-285750" eaLnBrk="0" hangingPunct="0">
+              <a:defRPr sz="1400" b="1">
+                <a:solidFill>
+                  <a:schemeClr val="tx1"/>
+                </a:solidFill>
+                <a:latin typeface="Arial" panose="020B0604020202020204" pitchFamily="34" charset="0"/>
+                <a:cs typeface="Arial" panose="020B0604020202020204" pitchFamily="34" charset="0"/>
+              </a:defRPr>
+            </a:lvl2pPr>
+            <a:lvl3pPr marL="1143000" indent="-228600" eaLnBrk="0" hangingPunct="0">
+              <a:defRPr sz="1400" b="1">
+                <a:solidFill>
+                  <a:schemeClr val="tx1"/>
+                </a:solidFill>
+                <a:latin typeface="Arial" panose="020B0604020202020204" pitchFamily="34" charset="0"/>
+                <a:cs typeface="Arial" panose="020B0604020202020204" pitchFamily="34" charset="0"/>
+              </a:defRPr>
+            </a:lvl3pPr>
+            <a:lvl4pPr marL="1600200" indent="-228600" eaLnBrk="0" hangingPunct="0">
+              <a:defRPr sz="1400" b="1">
+                <a:solidFill>
+                  <a:schemeClr val="tx1"/>
+                </a:solidFill>
+                <a:latin typeface="Arial" panose="020B0604020202020204" pitchFamily="34" charset="0"/>
+                <a:cs typeface="Arial" panose="020B0604020202020204" pitchFamily="34" charset="0"/>
+              </a:defRPr>
+            </a:lvl4pPr>
+            <a:lvl5pPr marL="2057400" indent="-228600" eaLnBrk="0" hangingPunct="0">
+              <a:defRPr sz="1400" b="1">
+                <a:solidFill>
+                  <a:schemeClr val="tx1"/>
+                </a:solidFill>
+                <a:latin typeface="Arial" panose="020B0604020202020204" pitchFamily="34" charset="0"/>
+                <a:cs typeface="Arial" panose="020B0604020202020204" pitchFamily="34" charset="0"/>
+              </a:defRPr>
+            </a:lvl5pPr>
+            <a:lvl6pPr marL="2514600" indent="-228600" eaLnBrk="0" fontAlgn="base" hangingPunct="0">
+              <a:spcBef>
+                <a:spcPct val="0"/>
+              </a:spcBef>
+              <a:spcAft>
+                <a:spcPct val="0"/>
+              </a:spcAft>
+              <a:defRPr sz="1400" b="1">
+                <a:solidFill>
+                  <a:schemeClr val="tx1"/>
+                </a:solidFill>
+                <a:latin typeface="Arial" panose="020B0604020202020204" pitchFamily="34" charset="0"/>
+                <a:cs typeface="Arial" panose="020B0604020202020204" pitchFamily="34" charset="0"/>
+              </a:defRPr>
+            </a:lvl6pPr>
+            <a:lvl7pPr marL="2971800" indent="-228600" eaLnBrk="0" fontAlgn="base" hangingPunct="0">
+              <a:spcBef>
+                <a:spcPct val="0"/>
+              </a:spcBef>
+              <a:spcAft>
+                <a:spcPct val="0"/>
+              </a:spcAft>
+              <a:defRPr sz="1400" b="1">
+                <a:solidFill>
+                  <a:schemeClr val="tx1"/>
+                </a:solidFill>
+                <a:latin typeface="Arial" panose="020B0604020202020204" pitchFamily="34" charset="0"/>
+                <a:cs typeface="Arial" panose="020B0604020202020204" pitchFamily="34" charset="0"/>
+              </a:defRPr>
+            </a:lvl7pPr>
+            <a:lvl8pPr marL="3429000" indent="-228600" eaLnBrk="0" fontAlgn="base" hangingPunct="0">
+              <a:spcBef>
+                <a:spcPct val="0"/>
+              </a:spcBef>
+              <a:spcAft>
+                <a:spcPct val="0"/>
+              </a:spcAft>
+              <a:defRPr sz="1400" b="1">
+                <a:solidFill>
+                  <a:schemeClr val="tx1"/>
+                </a:solidFill>
+                <a:latin typeface="Arial" panose="020B0604020202020204" pitchFamily="34" charset="0"/>
+                <a:cs typeface="Arial" panose="020B0604020202020204" pitchFamily="34" charset="0"/>
+              </a:defRPr>
+            </a:lvl8pPr>
+            <a:lvl9pPr marL="3886200" indent="-228600" eaLnBrk="0" fontAlgn="base" hangingPunct="0">
+              <a:spcBef>
+                <a:spcPct val="0"/>
+              </a:spcBef>
+              <a:spcAft>
+                <a:spcPct val="0"/>
+              </a:spcAft>
+              <a:defRPr sz="1400" b="1">
+                <a:solidFill>
+                  <a:schemeClr val="tx1"/>
+                </a:solidFill>
+                <a:latin typeface="Arial" panose="020B0604020202020204" pitchFamily="34" charset="0"/>
+                <a:cs typeface="Arial" panose="020B0604020202020204" pitchFamily="34" charset="0"/>
+              </a:defRPr>
+            </a:lvl9pPr>
+          </a:lstStyle>
+          <a:p>
+            <a:pPr algn="ctr"/>
+            <a:r>
+              <a:rPr lang="en-US" altLang="de-DE" sz="2000"/>
+              <a:t>Experience</a:t>
+            </a:r>
+          </a:p>
+          <a:p>
+            <a:pPr algn="ctr"/>
+            <a:r>
+              <a:rPr lang="en-US" altLang="de-DE" sz="2000"/>
+              <a:t>Engineering</a:t>
+            </a:r>
+          </a:p>
+        </p:txBody>
+      </p:sp>
+      <p:sp>
+        <p:nvSpPr>
+          <p:cNvPr id="15" name="Oval 39"/>
+          <p:cNvSpPr>
+            <a:spLocks noChangeArrowheads="1"/>
+          </p:cNvSpPr>
+          <p:nvPr/>
+        </p:nvSpPr>
+        <p:spPr bwMode="auto">
+          <a:xfrm>
+            <a:off x="831850" y="2117622"/>
+            <a:ext cx="1981200" cy="1049338"/>
+          </a:xfrm>
+          <a:prstGeom prst="ellipse">
+            <a:avLst/>
+          </a:prstGeom>
+          <a:solidFill>
+            <a:srgbClr val="FFFFCC"/>
+          </a:solidFill>
+          <a:ln w="9525">
+            <a:solidFill>
+              <a:schemeClr val="tx1"/>
+            </a:solidFill>
+            <a:round/>
+            <a:headEnd/>
+            <a:tailEnd/>
+          </a:ln>
+        </p:spPr>
+        <p:txBody>
+          <a:bodyPr wrap="none" anchor="ctr"/>
+          <a:lstStyle>
+            <a:lvl1pPr eaLnBrk="0" hangingPunct="0">
+              <a:defRPr sz="1400" b="1">
+                <a:solidFill>
+                  <a:schemeClr val="tx1"/>
+                </a:solidFill>
+                <a:latin typeface="Arial" panose="020B0604020202020204" pitchFamily="34" charset="0"/>
+                <a:cs typeface="Arial" panose="020B0604020202020204" pitchFamily="34" charset="0"/>
+              </a:defRPr>
+            </a:lvl1pPr>
+            <a:lvl2pPr marL="742950" indent="-285750" eaLnBrk="0" hangingPunct="0">
+              <a:defRPr sz="1400" b="1">
+                <a:solidFill>
+                  <a:schemeClr val="tx1"/>
+                </a:solidFill>
+                <a:latin typeface="Arial" panose="020B0604020202020204" pitchFamily="34" charset="0"/>
+                <a:cs typeface="Arial" panose="020B0604020202020204" pitchFamily="34" charset="0"/>
+              </a:defRPr>
+            </a:lvl2pPr>
+            <a:lvl3pPr marL="1143000" indent="-228600" eaLnBrk="0" hangingPunct="0">
+              <a:defRPr sz="1400" b="1">
+                <a:solidFill>
+                  <a:schemeClr val="tx1"/>
+                </a:solidFill>
+                <a:latin typeface="Arial" panose="020B0604020202020204" pitchFamily="34" charset="0"/>
+                <a:cs typeface="Arial" panose="020B0604020202020204" pitchFamily="34" charset="0"/>
+              </a:defRPr>
+            </a:lvl3pPr>
+            <a:lvl4pPr marL="1600200" indent="-228600" eaLnBrk="0" hangingPunct="0">
+              <a:defRPr sz="1400" b="1">
+                <a:solidFill>
+                  <a:schemeClr val="tx1"/>
+                </a:solidFill>
+                <a:latin typeface="Arial" panose="020B0604020202020204" pitchFamily="34" charset="0"/>
+                <a:cs typeface="Arial" panose="020B0604020202020204" pitchFamily="34" charset="0"/>
+              </a:defRPr>
+            </a:lvl4pPr>
+            <a:lvl5pPr marL="2057400" indent="-228600" eaLnBrk="0" hangingPunct="0">
+              <a:defRPr sz="1400" b="1">
+                <a:solidFill>
+                  <a:schemeClr val="tx1"/>
+                </a:solidFill>
+                <a:latin typeface="Arial" panose="020B0604020202020204" pitchFamily="34" charset="0"/>
+                <a:cs typeface="Arial" panose="020B0604020202020204" pitchFamily="34" charset="0"/>
+              </a:defRPr>
+            </a:lvl5pPr>
+            <a:lvl6pPr marL="2514600" indent="-228600" eaLnBrk="0" fontAlgn="base" hangingPunct="0">
+              <a:spcBef>
+                <a:spcPct val="0"/>
+              </a:spcBef>
+              <a:spcAft>
+                <a:spcPct val="0"/>
+              </a:spcAft>
+              <a:defRPr sz="1400" b="1">
+                <a:solidFill>
+                  <a:schemeClr val="tx1"/>
+                </a:solidFill>
+                <a:latin typeface="Arial" panose="020B0604020202020204" pitchFamily="34" charset="0"/>
+                <a:cs typeface="Arial" panose="020B0604020202020204" pitchFamily="34" charset="0"/>
+              </a:defRPr>
+            </a:lvl6pPr>
+            <a:lvl7pPr marL="2971800" indent="-228600" eaLnBrk="0" fontAlgn="base" hangingPunct="0">
+              <a:spcBef>
+                <a:spcPct val="0"/>
+              </a:spcBef>
+              <a:spcAft>
+                <a:spcPct val="0"/>
+              </a:spcAft>
+              <a:defRPr sz="1400" b="1">
+                <a:solidFill>
+                  <a:schemeClr val="tx1"/>
+                </a:solidFill>
+                <a:latin typeface="Arial" panose="020B0604020202020204" pitchFamily="34" charset="0"/>
+                <a:cs typeface="Arial" panose="020B0604020202020204" pitchFamily="34" charset="0"/>
+              </a:defRPr>
+            </a:lvl7pPr>
+            <a:lvl8pPr marL="3429000" indent="-228600" eaLnBrk="0" fontAlgn="base" hangingPunct="0">
+              <a:spcBef>
+                <a:spcPct val="0"/>
+              </a:spcBef>
+              <a:spcAft>
+                <a:spcPct val="0"/>
+              </a:spcAft>
+              <a:defRPr sz="1400" b="1">
+                <a:solidFill>
+                  <a:schemeClr val="tx1"/>
+                </a:solidFill>
+                <a:latin typeface="Arial" panose="020B0604020202020204" pitchFamily="34" charset="0"/>
+                <a:cs typeface="Arial" panose="020B0604020202020204" pitchFamily="34" charset="0"/>
+              </a:defRPr>
+            </a:lvl8pPr>
+            <a:lvl9pPr marL="3886200" indent="-228600" eaLnBrk="0" fontAlgn="base" hangingPunct="0">
+              <a:spcBef>
+                <a:spcPct val="0"/>
+              </a:spcBef>
+              <a:spcAft>
+                <a:spcPct val="0"/>
+              </a:spcAft>
+              <a:defRPr sz="1400" b="1">
+                <a:solidFill>
+                  <a:schemeClr val="tx1"/>
+                </a:solidFill>
+                <a:latin typeface="Arial" panose="020B0604020202020204" pitchFamily="34" charset="0"/>
+                <a:cs typeface="Arial" panose="020B0604020202020204" pitchFamily="34" charset="0"/>
+              </a:defRPr>
+            </a:lvl9pPr>
+          </a:lstStyle>
+          <a:p>
+            <a:pPr algn="ctr"/>
+            <a:r>
+              <a:rPr lang="en-US" altLang="de-DE" sz="2000"/>
+              <a:t>Activate</a:t>
+            </a:r>
+          </a:p>
+        </p:txBody>
+      </p:sp>
+      <p:sp>
+        <p:nvSpPr>
+          <p:cNvPr id="46" name="Oval 49"/>
+          <p:cNvSpPr>
+            <a:spLocks noChangeArrowheads="1"/>
+          </p:cNvSpPr>
+          <p:nvPr/>
+        </p:nvSpPr>
+        <p:spPr bwMode="auto">
+          <a:xfrm>
+            <a:off x="3346450" y="995081"/>
+            <a:ext cx="1981200" cy="1049338"/>
+          </a:xfrm>
+          <a:prstGeom prst="ellipse">
+            <a:avLst/>
+          </a:prstGeom>
+          <a:solidFill>
+            <a:srgbClr val="FFFFCC"/>
+          </a:solidFill>
+          <a:ln w="9525">
+            <a:solidFill>
+              <a:schemeClr val="tx1"/>
+            </a:solidFill>
+            <a:round/>
+            <a:headEnd/>
+            <a:tailEnd/>
+          </a:ln>
+        </p:spPr>
+        <p:txBody>
+          <a:bodyPr wrap="none" anchor="ctr"/>
+          <a:lstStyle>
+            <a:lvl1pPr eaLnBrk="0" hangingPunct="0">
+              <a:defRPr sz="1400" b="1">
+                <a:solidFill>
+                  <a:schemeClr val="tx1"/>
+                </a:solidFill>
+                <a:latin typeface="Arial" panose="020B0604020202020204" pitchFamily="34" charset="0"/>
+                <a:cs typeface="Arial" panose="020B0604020202020204" pitchFamily="34" charset="0"/>
+              </a:defRPr>
+            </a:lvl1pPr>
+            <a:lvl2pPr marL="742950" indent="-285750" eaLnBrk="0" hangingPunct="0">
+              <a:defRPr sz="1400" b="1">
+                <a:solidFill>
+                  <a:schemeClr val="tx1"/>
+                </a:solidFill>
+                <a:latin typeface="Arial" panose="020B0604020202020204" pitchFamily="34" charset="0"/>
+                <a:cs typeface="Arial" panose="020B0604020202020204" pitchFamily="34" charset="0"/>
+              </a:defRPr>
+            </a:lvl2pPr>
+            <a:lvl3pPr marL="1143000" indent="-228600" eaLnBrk="0" hangingPunct="0">
+              <a:defRPr sz="1400" b="1">
+                <a:solidFill>
+                  <a:schemeClr val="tx1"/>
+                </a:solidFill>
+                <a:latin typeface="Arial" panose="020B0604020202020204" pitchFamily="34" charset="0"/>
+                <a:cs typeface="Arial" panose="020B0604020202020204" pitchFamily="34" charset="0"/>
+              </a:defRPr>
+            </a:lvl3pPr>
+            <a:lvl4pPr marL="1600200" indent="-228600" eaLnBrk="0" hangingPunct="0">
+              <a:defRPr sz="1400" b="1">
+                <a:solidFill>
+                  <a:schemeClr val="tx1"/>
+                </a:solidFill>
+                <a:latin typeface="Arial" panose="020B0604020202020204" pitchFamily="34" charset="0"/>
+                <a:cs typeface="Arial" panose="020B0604020202020204" pitchFamily="34" charset="0"/>
+              </a:defRPr>
+            </a:lvl4pPr>
+            <a:lvl5pPr marL="2057400" indent="-228600" eaLnBrk="0" hangingPunct="0">
+              <a:defRPr sz="1400" b="1">
+                <a:solidFill>
+                  <a:schemeClr val="tx1"/>
+                </a:solidFill>
+                <a:latin typeface="Arial" panose="020B0604020202020204" pitchFamily="34" charset="0"/>
+                <a:cs typeface="Arial" panose="020B0604020202020204" pitchFamily="34" charset="0"/>
+              </a:defRPr>
+            </a:lvl5pPr>
+            <a:lvl6pPr marL="2514600" indent="-228600" eaLnBrk="0" fontAlgn="base" hangingPunct="0">
+              <a:spcBef>
+                <a:spcPct val="0"/>
+              </a:spcBef>
+              <a:spcAft>
+                <a:spcPct val="0"/>
+              </a:spcAft>
+              <a:defRPr sz="1400" b="1">
+                <a:solidFill>
+                  <a:schemeClr val="tx1"/>
+                </a:solidFill>
+                <a:latin typeface="Arial" panose="020B0604020202020204" pitchFamily="34" charset="0"/>
+                <a:cs typeface="Arial" panose="020B0604020202020204" pitchFamily="34" charset="0"/>
+              </a:defRPr>
+            </a:lvl6pPr>
+            <a:lvl7pPr marL="2971800" indent="-228600" eaLnBrk="0" fontAlgn="base" hangingPunct="0">
+              <a:spcBef>
+                <a:spcPct val="0"/>
+              </a:spcBef>
+              <a:spcAft>
+                <a:spcPct val="0"/>
+              </a:spcAft>
+              <a:defRPr sz="1400" b="1">
+                <a:solidFill>
+                  <a:schemeClr val="tx1"/>
+                </a:solidFill>
+                <a:latin typeface="Arial" panose="020B0604020202020204" pitchFamily="34" charset="0"/>
+                <a:cs typeface="Arial" panose="020B0604020202020204" pitchFamily="34" charset="0"/>
+              </a:defRPr>
+            </a:lvl7pPr>
+            <a:lvl8pPr marL="3429000" indent="-228600" eaLnBrk="0" fontAlgn="base" hangingPunct="0">
+              <a:spcBef>
+                <a:spcPct val="0"/>
+              </a:spcBef>
+              <a:spcAft>
+                <a:spcPct val="0"/>
+              </a:spcAft>
+              <a:defRPr sz="1400" b="1">
+                <a:solidFill>
+                  <a:schemeClr val="tx1"/>
+                </a:solidFill>
+                <a:latin typeface="Arial" panose="020B0604020202020204" pitchFamily="34" charset="0"/>
+                <a:cs typeface="Arial" panose="020B0604020202020204" pitchFamily="34" charset="0"/>
+              </a:defRPr>
+            </a:lvl8pPr>
+            <a:lvl9pPr marL="3886200" indent="-228600" eaLnBrk="0" fontAlgn="base" hangingPunct="0">
+              <a:spcBef>
+                <a:spcPct val="0"/>
+              </a:spcBef>
+              <a:spcAft>
+                <a:spcPct val="0"/>
+              </a:spcAft>
+              <a:defRPr sz="1400" b="1">
+                <a:solidFill>
+                  <a:schemeClr val="tx1"/>
+                </a:solidFill>
+                <a:latin typeface="Arial" panose="020B0604020202020204" pitchFamily="34" charset="0"/>
+                <a:cs typeface="Arial" panose="020B0604020202020204" pitchFamily="34" charset="0"/>
+              </a:defRPr>
+            </a:lvl9pPr>
+          </a:lstStyle>
+          <a:p>
+            <a:pPr algn="ctr"/>
+            <a:r>
+              <a:rPr lang="en-US" altLang="de-DE" sz="2000"/>
+              <a:t>Collect</a:t>
+            </a:r>
           </a:p>
         </p:txBody>
       </p:sp>
@@ -6136,7 +5700,7 @@
             <a:graphicData uri="http://schemas.openxmlformats.org/presentationml/2006/ole">
               <mc:AlternateContent xmlns:mc="http://schemas.openxmlformats.org/markup-compatibility/2006">
                 <mc:Choice xmlns:v="urn:schemas-microsoft-com:vml" Requires="v">
-                  <p:oleObj spid="_x0000_s1030" name="Paint Shop Pro Image" r:id="rId4" imgW="7853659" imgH="6448780" progId="">
+                  <p:oleObj spid="_x0000_s1036" name="Paint Shop Pro Image" r:id="rId4" imgW="7853659" imgH="6448780" progId="">
                     <p:embed/>
                   </p:oleObj>
                 </mc:Choice>
@@ -6304,6 +5868,162 @@
           </a:p>
         </p:txBody>
       </p:sp>
+      <p:cxnSp>
+        <p:nvCxnSpPr>
+          <p:cNvPr id="3" name="Curved Connector 2"/>
+          <p:cNvCxnSpPr>
+            <a:stCxn id="4" idx="2"/>
+            <a:endCxn id="15" idx="4"/>
+          </p:cNvCxnSpPr>
+          <p:nvPr/>
+        </p:nvCxnSpPr>
+        <p:spPr>
+          <a:xfrm rot="10800000">
+            <a:off x="1822450" y="3166960"/>
+            <a:ext cx="1485900" cy="614268"/>
+          </a:xfrm>
+          <a:prstGeom prst="curvedConnector2">
+            <a:avLst/>
+          </a:prstGeom>
+          <a:ln w="28575">
+            <a:solidFill>
+              <a:schemeClr val="tx1"/>
+            </a:solidFill>
+            <a:tailEnd type="triangle"/>
+          </a:ln>
+        </p:spPr>
+        <p:style>
+          <a:lnRef idx="1">
+            <a:schemeClr val="accent1"/>
+          </a:lnRef>
+          <a:fillRef idx="0">
+            <a:schemeClr val="accent1"/>
+          </a:fillRef>
+          <a:effectRef idx="0">
+            <a:schemeClr val="accent1"/>
+          </a:effectRef>
+          <a:fontRef idx="minor">
+            <a:schemeClr val="tx1"/>
+          </a:fontRef>
+        </p:style>
+      </p:cxnSp>
+      <p:cxnSp>
+        <p:nvCxnSpPr>
+          <p:cNvPr id="19" name="Curved Connector 18"/>
+          <p:cNvCxnSpPr>
+            <a:stCxn id="46" idx="6"/>
+            <a:endCxn id="8" idx="0"/>
+          </p:cNvCxnSpPr>
+          <p:nvPr/>
+        </p:nvCxnSpPr>
+        <p:spPr>
+          <a:xfrm>
+            <a:off x="5327650" y="1519750"/>
+            <a:ext cx="1447800" cy="597870"/>
+          </a:xfrm>
+          <a:prstGeom prst="curvedConnector2">
+            <a:avLst/>
+          </a:prstGeom>
+          <a:ln w="28575">
+            <a:solidFill>
+              <a:schemeClr val="tx1"/>
+            </a:solidFill>
+            <a:tailEnd type="triangle"/>
+          </a:ln>
+        </p:spPr>
+        <p:style>
+          <a:lnRef idx="1">
+            <a:schemeClr val="accent1"/>
+          </a:lnRef>
+          <a:fillRef idx="0">
+            <a:schemeClr val="accent1"/>
+          </a:fillRef>
+          <a:effectRef idx="0">
+            <a:schemeClr val="accent1"/>
+          </a:effectRef>
+          <a:fontRef idx="minor">
+            <a:schemeClr val="tx1"/>
+          </a:fontRef>
+        </p:style>
+      </p:cxnSp>
+      <p:cxnSp>
+        <p:nvCxnSpPr>
+          <p:cNvPr id="20" name="Curved Connector 19"/>
+          <p:cNvCxnSpPr>
+            <a:stCxn id="15" idx="0"/>
+            <a:endCxn id="46" idx="2"/>
+          </p:cNvCxnSpPr>
+          <p:nvPr/>
+        </p:nvCxnSpPr>
+        <p:spPr>
+          <a:xfrm rot="5400000" flipH="1" flipV="1">
+            <a:off x="2285514" y="1056686"/>
+            <a:ext cx="597872" cy="1524000"/>
+          </a:xfrm>
+          <a:prstGeom prst="curvedConnector2">
+            <a:avLst/>
+          </a:prstGeom>
+          <a:ln w="28575">
+            <a:solidFill>
+              <a:schemeClr val="tx1"/>
+            </a:solidFill>
+            <a:tailEnd type="triangle"/>
+          </a:ln>
+        </p:spPr>
+        <p:style>
+          <a:lnRef idx="1">
+            <a:schemeClr val="accent1"/>
+          </a:lnRef>
+          <a:fillRef idx="0">
+            <a:schemeClr val="accent1"/>
+          </a:fillRef>
+          <a:effectRef idx="0">
+            <a:schemeClr val="accent1"/>
+          </a:effectRef>
+          <a:fontRef idx="minor">
+            <a:schemeClr val="tx1"/>
+          </a:fontRef>
+        </p:style>
+      </p:cxnSp>
+      <p:cxnSp>
+        <p:nvCxnSpPr>
+          <p:cNvPr id="21" name="Curved Connector 20"/>
+          <p:cNvCxnSpPr>
+            <a:stCxn id="8" idx="4"/>
+            <a:endCxn id="4" idx="6"/>
+          </p:cNvCxnSpPr>
+          <p:nvPr/>
+        </p:nvCxnSpPr>
+        <p:spPr>
+          <a:xfrm rot="5400000">
+            <a:off x="5725365" y="2731143"/>
+            <a:ext cx="614270" cy="1485900"/>
+          </a:xfrm>
+          <a:prstGeom prst="curvedConnector2">
+            <a:avLst/>
+          </a:prstGeom>
+          <a:ln w="28575">
+            <a:solidFill>
+              <a:schemeClr val="tx1"/>
+            </a:solidFill>
+            <a:tailEnd type="triangle"/>
+          </a:ln>
+        </p:spPr>
+        <p:style>
+          <a:lnRef idx="1">
+            <a:schemeClr val="accent1"/>
+          </a:lnRef>
+          <a:fillRef idx="0">
+            <a:schemeClr val="accent1"/>
+          </a:fillRef>
+          <a:effectRef idx="0">
+            <a:schemeClr val="accent1"/>
+          </a:effectRef>
+          <a:fontRef idx="minor">
+            <a:schemeClr val="tx1"/>
+          </a:fontRef>
+        </p:style>
+      </p:cxnSp>
     </p:spTree>
     <p:extLst>
       <p:ext uri="{BB962C8B-B14F-4D97-AF65-F5344CB8AC3E}">
@@ -7706,8 +7426,8 @@
         </p:nvSpPr>
         <p:spPr>
           <a:xfrm>
-            <a:off x="903568" y="261480"/>
-            <a:ext cx="2109745" cy="707886"/>
+            <a:off x="1213621" y="413880"/>
+            <a:ext cx="1725023" cy="584775"/>
           </a:xfrm>
           <a:prstGeom prst="rect">
             <a:avLst/>
@@ -7720,8 +7440,9 @@
           </a:bodyPr>
           <a:lstStyle/>
           <a:p>
-            <a:r>
-              <a:rPr lang="de-DE" sz="2000" i="1" dirty="0" smtClean="0">
+            <a:pPr algn="ctr"/>
+            <a:r>
+              <a:rPr lang="de-DE" sz="1600" i="1" dirty="0" smtClean="0">
                 <a:solidFill>
                   <a:schemeClr val="bg1">
                     <a:lumMod val="50000"/>
@@ -7731,7 +7452,7 @@
               <a:t>Activate </a:t>
             </a:r>
             <a:r>
-              <a:rPr lang="de-DE" sz="2000" i="1" dirty="0" err="1" smtClean="0">
+              <a:rPr lang="de-DE" sz="1600" i="1" dirty="0" err="1" smtClean="0">
                 <a:solidFill>
                   <a:schemeClr val="bg1">
                     <a:lumMod val="50000"/>
@@ -7741,7 +7462,7 @@
               <a:t>implicit</a:t>
             </a:r>
             <a:r>
-              <a:rPr lang="de-DE" sz="2000" i="1" dirty="0" smtClean="0">
+              <a:rPr lang="de-DE" sz="1600" i="1" dirty="0" smtClean="0">
                 <a:solidFill>
                   <a:schemeClr val="bg1">
                     <a:lumMod val="50000"/>
@@ -7751,7 +7472,7 @@
               <a:t/>
             </a:r>
             <a:br>
-              <a:rPr lang="de-DE" sz="2000" i="1" dirty="0" smtClean="0">
+              <a:rPr lang="de-DE" sz="1600" i="1" dirty="0" smtClean="0">
                 <a:solidFill>
                   <a:schemeClr val="bg1">
                     <a:lumMod val="50000"/>
@@ -7760,7 +7481,7 @@
               </a:rPr>
             </a:br>
             <a:r>
-              <a:rPr lang="de-DE" sz="2000" i="1" dirty="0" err="1" smtClean="0">
+              <a:rPr lang="de-DE" sz="1600" i="1" dirty="0" err="1" smtClean="0">
                 <a:solidFill>
                   <a:schemeClr val="bg1">
                     <a:lumMod val="50000"/>
@@ -7770,7 +7491,7 @@
               <a:t>and</a:t>
             </a:r>
             <a:r>
-              <a:rPr lang="de-DE" sz="2000" i="1" dirty="0" smtClean="0">
+              <a:rPr lang="de-DE" sz="1600" i="1" dirty="0" smtClean="0">
                 <a:solidFill>
                   <a:schemeClr val="bg1">
                     <a:lumMod val="50000"/>
@@ -7780,7 +7501,7 @@
               <a:t> explicit </a:t>
             </a:r>
             <a:r>
-              <a:rPr lang="de-DE" sz="2000" i="1" dirty="0" err="1" smtClean="0">
+              <a:rPr lang="de-DE" sz="1600" i="1" dirty="0" err="1" smtClean="0">
                 <a:solidFill>
                   <a:schemeClr val="bg1">
                     <a:lumMod val="50000"/>
@@ -7790,7 +7511,7 @@
               <a:t>knowl</a:t>
             </a:r>
             <a:r>
-              <a:rPr lang="de-DE" sz="2000" i="1" dirty="0" smtClean="0">
+              <a:rPr lang="de-DE" sz="1600" i="1" dirty="0" smtClean="0">
                 <a:solidFill>
                   <a:schemeClr val="bg1">
                     <a:lumMod val="50000"/>
@@ -7799,7 +7520,7 @@
               </a:rPr>
               <a:t>.</a:t>
             </a:r>
-            <a:endParaRPr lang="de-DE" sz="2000" i="1" dirty="0">
+            <a:endParaRPr lang="de-DE" sz="1600" i="1" dirty="0">
               <a:solidFill>
                 <a:schemeClr val="bg1">
                   <a:lumMod val="50000"/>
@@ -7817,8 +7538,8 @@
         </p:nvSpPr>
         <p:spPr>
           <a:xfrm>
-            <a:off x="3060623" y="261480"/>
-            <a:ext cx="2829429" cy="707886"/>
+            <a:off x="3400068" y="413880"/>
+            <a:ext cx="2302938" cy="584775"/>
           </a:xfrm>
           <a:prstGeom prst="rect">
             <a:avLst/>
@@ -7833,7 +7554,7 @@
           <a:p>
             <a:pPr algn="ctr"/>
             <a:r>
-              <a:rPr lang="de-DE" sz="2000" i="1" dirty="0" err="1" smtClean="0">
+              <a:rPr lang="de-DE" sz="1600" i="1" dirty="0" err="1" smtClean="0">
                 <a:solidFill>
                   <a:schemeClr val="bg1">
                     <a:lumMod val="50000"/>
@@ -7843,7 +7564,7 @@
               <a:t>Apply</a:t>
             </a:r>
             <a:r>
-              <a:rPr lang="de-DE" sz="2000" i="1" dirty="0" smtClean="0">
+              <a:rPr lang="de-DE" sz="1600" i="1" dirty="0" smtClean="0">
                 <a:solidFill>
                   <a:schemeClr val="bg1">
                     <a:lumMod val="50000"/>
@@ -7853,7 +7574,7 @@
               <a:t> </a:t>
             </a:r>
             <a:r>
-              <a:rPr lang="de-DE" sz="2000" i="1" dirty="0" err="1" smtClean="0">
+              <a:rPr lang="de-DE" sz="1600" i="1" dirty="0" err="1" smtClean="0">
                 <a:solidFill>
                   <a:schemeClr val="bg1">
                     <a:lumMod val="50000"/>
@@ -7863,7 +7584,7 @@
               <a:t>engineered</a:t>
             </a:r>
             <a:r>
-              <a:rPr lang="de-DE" sz="2000" i="1" dirty="0" smtClean="0">
+              <a:rPr lang="de-DE" sz="1600" i="1" dirty="0" smtClean="0">
                 <a:solidFill>
                   <a:schemeClr val="bg1">
                     <a:lumMod val="50000"/>
@@ -7873,7 +7594,7 @@
               <a:t/>
             </a:r>
             <a:br>
-              <a:rPr lang="de-DE" sz="2000" i="1" dirty="0" smtClean="0">
+              <a:rPr lang="de-DE" sz="1600" i="1" dirty="0" smtClean="0">
                 <a:solidFill>
                   <a:schemeClr val="bg1">
                     <a:lumMod val="50000"/>
@@ -7882,7 +7603,7 @@
               </a:rPr>
             </a:br>
             <a:r>
-              <a:rPr lang="de-DE" sz="2000" i="1" dirty="0" err="1" smtClean="0">
+              <a:rPr lang="de-DE" sz="1600" i="1" dirty="0" err="1" smtClean="0">
                 <a:solidFill>
                   <a:schemeClr val="bg1">
                     <a:lumMod val="50000"/>
@@ -7892,7 +7613,7 @@
               <a:t>knowledge</a:t>
             </a:r>
             <a:r>
-              <a:rPr lang="de-DE" sz="2000" i="1" dirty="0" smtClean="0">
+              <a:rPr lang="de-DE" sz="1600" i="1" dirty="0" smtClean="0">
                 <a:solidFill>
                   <a:schemeClr val="bg1">
                     <a:lumMod val="50000"/>
@@ -7902,7 +7623,7 @@
               <a:t> (</a:t>
             </a:r>
             <a:r>
-              <a:rPr lang="de-DE" sz="2000" i="1" dirty="0" err="1" smtClean="0">
+              <a:rPr lang="de-DE" sz="1600" i="1" dirty="0" err="1" smtClean="0">
                 <a:solidFill>
                   <a:schemeClr val="bg1">
                     <a:lumMod val="50000"/>
@@ -7912,7 +7633,7 @@
               <a:t>combination</a:t>
             </a:r>
             <a:r>
-              <a:rPr lang="de-DE" sz="2000" i="1" dirty="0" smtClean="0">
+              <a:rPr lang="de-DE" sz="1600" i="1" dirty="0" smtClean="0">
                 <a:solidFill>
                   <a:schemeClr val="bg1">
                     <a:lumMod val="50000"/>
@@ -7921,7 +7642,7 @@
               </a:rPr>
               <a:t>)</a:t>
             </a:r>
-            <a:endParaRPr lang="de-DE" sz="2000" i="1" dirty="0">
+            <a:endParaRPr lang="de-DE" sz="1600" i="1" dirty="0">
               <a:solidFill>
                 <a:schemeClr val="bg1">
                   <a:lumMod val="50000"/>
@@ -7939,8 +7660,8 @@
         </p:nvSpPr>
         <p:spPr>
           <a:xfrm>
-            <a:off x="5904076" y="261480"/>
-            <a:ext cx="2944589" cy="707886"/>
+            <a:off x="6207162" y="413880"/>
+            <a:ext cx="2399375" cy="584775"/>
           </a:xfrm>
           <a:prstGeom prst="rect">
             <a:avLst/>
@@ -7955,7 +7676,7 @@
           <a:p>
             <a:pPr algn="ctr"/>
             <a:r>
-              <a:rPr lang="de-DE" sz="2000" i="1" dirty="0" err="1" smtClean="0">
+              <a:rPr lang="de-DE" sz="1600" i="1" dirty="0" err="1" smtClean="0">
                 <a:solidFill>
                   <a:schemeClr val="bg1">
                     <a:lumMod val="50000"/>
@@ -7965,7 +7686,7 @@
               <a:t>Disseminate</a:t>
             </a:r>
             <a:r>
-              <a:rPr lang="de-DE" sz="2000" i="1" dirty="0" smtClean="0">
+              <a:rPr lang="de-DE" sz="1600" i="1" dirty="0" smtClean="0">
                 <a:solidFill>
                   <a:schemeClr val="bg1">
                     <a:lumMod val="50000"/>
@@ -7975,7 +7696,7 @@
               <a:t> </a:t>
             </a:r>
             <a:r>
-              <a:rPr lang="de-DE" sz="2000" i="1" dirty="0" err="1" smtClean="0">
+              <a:rPr lang="de-DE" sz="1600" i="1" dirty="0" err="1" smtClean="0">
                 <a:solidFill>
                   <a:schemeClr val="bg1">
                     <a:lumMod val="50000"/>
@@ -7985,7 +7706,7 @@
               <a:t>and</a:t>
             </a:r>
             <a:r>
-              <a:rPr lang="de-DE" sz="2000" i="1" dirty="0" smtClean="0">
+              <a:rPr lang="de-DE" sz="1600" i="1" dirty="0" smtClean="0">
                 <a:solidFill>
                   <a:schemeClr val="bg1">
                     <a:lumMod val="50000"/>
@@ -7995,7 +7716,7 @@
               <a:t/>
             </a:r>
             <a:br>
-              <a:rPr lang="de-DE" sz="2000" i="1" dirty="0" smtClean="0">
+              <a:rPr lang="de-DE" sz="1600" i="1" dirty="0" smtClean="0">
                 <a:solidFill>
                   <a:schemeClr val="bg1">
                     <a:lumMod val="50000"/>
@@ -8004,7 +7725,7 @@
               </a:rPr>
             </a:br>
             <a:r>
-              <a:rPr lang="de-DE" sz="2000" i="1" dirty="0" err="1" smtClean="0">
+              <a:rPr lang="de-DE" sz="1600" i="1" dirty="0" err="1" smtClean="0">
                 <a:solidFill>
                   <a:schemeClr val="bg1">
                     <a:lumMod val="50000"/>
@@ -8014,7 +7735,7 @@
               <a:t>internalize</a:t>
             </a:r>
             <a:r>
-              <a:rPr lang="de-DE" sz="2000" i="1" dirty="0" smtClean="0">
+              <a:rPr lang="de-DE" sz="1600" i="1" dirty="0" smtClean="0">
                 <a:solidFill>
                   <a:schemeClr val="bg1">
                     <a:lumMod val="50000"/>
@@ -8024,7 +7745,7 @@
               <a:t> </a:t>
             </a:r>
             <a:r>
-              <a:rPr lang="de-DE" sz="2000" i="1" dirty="0" err="1" smtClean="0">
+              <a:rPr lang="de-DE" sz="1600" i="1" dirty="0" err="1" smtClean="0">
                 <a:solidFill>
                   <a:schemeClr val="bg1">
                     <a:lumMod val="50000"/>
@@ -8034,7 +7755,7 @@
               <a:t>new</a:t>
             </a:r>
             <a:r>
-              <a:rPr lang="de-DE" sz="2000" i="1" dirty="0" smtClean="0">
+              <a:rPr lang="de-DE" sz="1600" i="1" dirty="0" smtClean="0">
                 <a:solidFill>
                   <a:schemeClr val="bg1">
                     <a:lumMod val="50000"/>
@@ -8044,7 +7765,7 @@
               <a:t> </a:t>
             </a:r>
             <a:r>
-              <a:rPr lang="de-DE" sz="2000" i="1" dirty="0" err="1" smtClean="0">
+              <a:rPr lang="de-DE" sz="1600" i="1" dirty="0" err="1" smtClean="0">
                 <a:solidFill>
                   <a:schemeClr val="bg1">
                     <a:lumMod val="50000"/>
@@ -8053,7 +7774,7 @@
               </a:rPr>
               <a:t>knowledge</a:t>
             </a:r>
-            <a:endParaRPr lang="de-DE" sz="2000" i="1" dirty="0">
+            <a:endParaRPr lang="de-DE" sz="1600" i="1" dirty="0">
               <a:solidFill>
                 <a:schemeClr val="bg1">
                   <a:lumMod val="50000"/>
